--- a/经济学/拥堵费/拥堵费Prod.pptx
+++ b/经济学/拥堵费/拥堵费Prod.pptx
@@ -5,15 +5,16 @@
     <p:sldMasterId id="2147483707" r:id="rId1"/>
   </p:sldMasterIdLst>
   <p:notesMasterIdLst>
-    <p:notesMasterId r:id="rId8"/>
+    <p:notesMasterId r:id="rId9"/>
   </p:notesMasterIdLst>
   <p:sldIdLst>
     <p:sldId id="256" r:id="rId2"/>
-    <p:sldId id="257" r:id="rId3"/>
-    <p:sldId id="258" r:id="rId4"/>
-    <p:sldId id="259" r:id="rId5"/>
-    <p:sldId id="260" r:id="rId6"/>
-    <p:sldId id="261" r:id="rId7"/>
+    <p:sldId id="262" r:id="rId3"/>
+    <p:sldId id="257" r:id="rId4"/>
+    <p:sldId id="258" r:id="rId5"/>
+    <p:sldId id="259" r:id="rId6"/>
+    <p:sldId id="260" r:id="rId7"/>
+    <p:sldId id="261" r:id="rId8"/>
   </p:sldIdLst>
   <p:sldSz cx="12192000" cy="6858000"/>
   <p:notesSz cx="6858000" cy="9144000"/>
@@ -202,7 +203,7 @@
           <a:p>
             <a:fld id="{A8D7EC36-9AFA-3543-AE7C-5600B3A1CE22}" type="datetimeFigureOut">
               <a:rPr kumimoji="1" lang="zh-CN" altLang="en-US" smtClean="0"/>
-              <a:t>2017/8/17 Thursday</a:t>
+              <a:t>2017/8/18 Friday</a:t>
             </a:fld>
             <a:endParaRPr kumimoji="1" lang="zh-CN" altLang="en-US"/>
           </a:p>
@@ -658,7 +659,7 @@
           <a:p>
             <a:fld id="{DF79C491-4B2B-4113-BA86-7BBD2B23571E}" type="datetimeFigureOut">
               <a:rPr lang="zh-CN" altLang="en-US" smtClean="0"/>
-              <a:t>2017/8/17 Thursday</a:t>
+              <a:t>2017/8/18 Friday</a:t>
             </a:fld>
             <a:endParaRPr lang="zh-CN" altLang="en-US"/>
           </a:p>
@@ -996,7 +997,7 @@
           <a:p>
             <a:fld id="{DF79C491-4B2B-4113-BA86-7BBD2B23571E}" type="datetimeFigureOut">
               <a:rPr lang="zh-CN" altLang="en-US" smtClean="0"/>
-              <a:t>2017/8/17 Thursday</a:t>
+              <a:t>2017/8/18 Friday</a:t>
             </a:fld>
             <a:endParaRPr lang="zh-CN" altLang="en-US"/>
           </a:p>
@@ -1397,7 +1398,7 @@
           <a:p>
             <a:fld id="{DF79C491-4B2B-4113-BA86-7BBD2B23571E}" type="datetimeFigureOut">
               <a:rPr lang="zh-CN" altLang="en-US" smtClean="0"/>
-              <a:t>2017/8/17 Thursday</a:t>
+              <a:t>2017/8/18 Friday</a:t>
             </a:fld>
             <a:endParaRPr lang="zh-CN" altLang="en-US"/>
           </a:p>
@@ -1733,7 +1734,7 @@
           <a:p>
             <a:fld id="{DF79C491-4B2B-4113-BA86-7BBD2B23571E}" type="datetimeFigureOut">
               <a:rPr lang="zh-CN" altLang="en-US" smtClean="0"/>
-              <a:t>2017/8/17 Thursday</a:t>
+              <a:t>2017/8/18 Friday</a:t>
             </a:fld>
             <a:endParaRPr lang="zh-CN" altLang="en-US"/>
           </a:p>
@@ -2053,7 +2054,7 @@
           <a:p>
             <a:fld id="{DF79C491-4B2B-4113-BA86-7BBD2B23571E}" type="datetimeFigureOut">
               <a:rPr lang="zh-CN" altLang="en-US" smtClean="0"/>
-              <a:t>2017/8/17 Thursday</a:t>
+              <a:t>2017/8/18 Friday</a:t>
             </a:fld>
             <a:endParaRPr lang="zh-CN" altLang="en-US"/>
           </a:p>
@@ -2449,7 +2450,7 @@
           <a:p>
             <a:fld id="{DF79C491-4B2B-4113-BA86-7BBD2B23571E}" type="datetimeFigureOut">
               <a:rPr lang="zh-CN" altLang="en-US" smtClean="0"/>
-              <a:t>2017/8/17 Thursday</a:t>
+              <a:t>2017/8/18 Friday</a:t>
             </a:fld>
             <a:endParaRPr lang="zh-CN" altLang="en-US"/>
           </a:p>
@@ -2706,7 +2707,7 @@
           <a:p>
             <a:fld id="{DF79C491-4B2B-4113-BA86-7BBD2B23571E}" type="datetimeFigureOut">
               <a:rPr lang="zh-CN" altLang="en-US" smtClean="0"/>
-              <a:t>2017/8/17 Thursday</a:t>
+              <a:t>2017/8/18 Friday</a:t>
             </a:fld>
             <a:endParaRPr lang="zh-CN" altLang="en-US"/>
           </a:p>
@@ -2968,7 +2969,7 @@
           <a:p>
             <a:fld id="{DF79C491-4B2B-4113-BA86-7BBD2B23571E}" type="datetimeFigureOut">
               <a:rPr lang="zh-CN" altLang="en-US" smtClean="0"/>
-              <a:t>2017/8/17 Thursday</a:t>
+              <a:t>2017/8/18 Friday</a:t>
             </a:fld>
             <a:endParaRPr lang="zh-CN" altLang="en-US"/>
           </a:p>
@@ -3230,7 +3231,7 @@
           <a:p>
             <a:fld id="{DF79C491-4B2B-4113-BA86-7BBD2B23571E}" type="datetimeFigureOut">
               <a:rPr lang="zh-CN" altLang="en-US" smtClean="0"/>
-              <a:t>2017/8/17 Thursday</a:t>
+              <a:t>2017/8/18 Friday</a:t>
             </a:fld>
             <a:endParaRPr lang="zh-CN" altLang="en-US"/>
           </a:p>
@@ -3559,7 +3560,7 @@
           <a:p>
             <a:fld id="{DF79C491-4B2B-4113-BA86-7BBD2B23571E}" type="datetimeFigureOut">
               <a:rPr lang="zh-CN" altLang="en-US" smtClean="0"/>
-              <a:t>2017/8/17 Thursday</a:t>
+              <a:t>2017/8/18 Friday</a:t>
             </a:fld>
             <a:endParaRPr lang="zh-CN" altLang="en-US"/>
           </a:p>
@@ -3882,7 +3883,7 @@
           <a:p>
             <a:fld id="{DF79C491-4B2B-4113-BA86-7BBD2B23571E}" type="datetimeFigureOut">
               <a:rPr lang="zh-CN" altLang="en-US" smtClean="0"/>
-              <a:t>2017/8/17 Thursday</a:t>
+              <a:t>2017/8/18 Friday</a:t>
             </a:fld>
             <a:endParaRPr lang="zh-CN" altLang="en-US"/>
           </a:p>
@@ -4339,7 +4340,7 @@
           <a:p>
             <a:fld id="{DF79C491-4B2B-4113-BA86-7BBD2B23571E}" type="datetimeFigureOut">
               <a:rPr lang="zh-CN" altLang="en-US" smtClean="0"/>
-              <a:t>2017/8/17 Thursday</a:t>
+              <a:t>2017/8/18 Friday</a:t>
             </a:fld>
             <a:endParaRPr lang="zh-CN" altLang="en-US"/>
           </a:p>
@@ -4544,7 +4545,7 @@
           <a:p>
             <a:fld id="{DF79C491-4B2B-4113-BA86-7BBD2B23571E}" type="datetimeFigureOut">
               <a:rPr lang="zh-CN" altLang="en-US" smtClean="0"/>
-              <a:t>2017/8/17 Thursday</a:t>
+              <a:t>2017/8/18 Friday</a:t>
             </a:fld>
             <a:endParaRPr lang="zh-CN" altLang="en-US"/>
           </a:p>
@@ -4721,7 +4722,7 @@
           <a:p>
             <a:fld id="{DF79C491-4B2B-4113-BA86-7BBD2B23571E}" type="datetimeFigureOut">
               <a:rPr lang="zh-CN" altLang="en-US" smtClean="0"/>
-              <a:t>2017/8/17 Thursday</a:t>
+              <a:t>2017/8/18 Friday</a:t>
             </a:fld>
             <a:endParaRPr lang="zh-CN" altLang="en-US"/>
           </a:p>
@@ -5054,7 +5055,7 @@
           <a:p>
             <a:fld id="{DF79C491-4B2B-4113-BA86-7BBD2B23571E}" type="datetimeFigureOut">
               <a:rPr lang="zh-CN" altLang="en-US" smtClean="0"/>
-              <a:t>2017/8/17 Thursday</a:t>
+              <a:t>2017/8/18 Friday</a:t>
             </a:fld>
             <a:endParaRPr lang="zh-CN" altLang="en-US"/>
           </a:p>
@@ -5399,7 +5400,7 @@
           <a:p>
             <a:fld id="{DF79C491-4B2B-4113-BA86-7BBD2B23571E}" type="datetimeFigureOut">
               <a:rPr lang="zh-CN" altLang="en-US" smtClean="0"/>
-              <a:t>2017/8/17 Thursday</a:t>
+              <a:t>2017/8/18 Friday</a:t>
             </a:fld>
             <a:endParaRPr lang="zh-CN" altLang="en-US"/>
           </a:p>
@@ -7516,7 +7517,7 @@
           <a:p>
             <a:fld id="{DF79C491-4B2B-4113-BA86-7BBD2B23571E}" type="datetimeFigureOut">
               <a:rPr lang="zh-CN" altLang="en-US" smtClean="0"/>
-              <a:t>2017/8/17 Thursday</a:t>
+              <a:t>2017/8/18 Friday</a:t>
             </a:fld>
             <a:endParaRPr lang="zh-CN" altLang="en-US"/>
           </a:p>
@@ -8046,20 +8047,37 @@
         </p:nvSpPr>
         <p:spPr>
           <a:xfrm>
-            <a:off x="1414817" y="409432"/>
+            <a:off x="1387521" y="1023581"/>
             <a:ext cx="9144000" cy="1189844"/>
           </a:xfrm>
         </p:spPr>
         <p:txBody>
           <a:bodyPr>
-            <a:normAutofit/>
+            <a:normAutofit fontScale="90000"/>
           </a:bodyPr>
           <a:lstStyle/>
           <a:p>
             <a:r>
-              <a:rPr lang="zh-CN" altLang="en-US" sz="6600" dirty="0"/>
-              <a:t>拥堵费</a:t>
-            </a:r>
+              <a:rPr lang="en-US" altLang="zh-CN" sz="6600" dirty="0" smtClean="0"/>
+              <a:t>Designed </a:t>
+            </a:r>
+            <a:r>
+              <a:rPr lang="en-US" altLang="zh-CN" sz="6600" dirty="0"/>
+              <a:t>to </a:t>
+            </a:r>
+            <a:r>
+              <a:rPr lang="en-US" altLang="zh-CN" sz="6600" dirty="0" smtClean="0"/>
+              <a:t>Provide </a:t>
+            </a:r>
+            <a:r>
+              <a:rPr lang="en-US" altLang="zh-CN" sz="6600" dirty="0"/>
+              <a:t>a </a:t>
+            </a:r>
+            <a:r>
+              <a:rPr lang="en-US" altLang="zh-CN" sz="6600" dirty="0" smtClean="0"/>
+              <a:t>Predictable Trip</a:t>
+            </a:r>
+            <a:endParaRPr lang="zh-CN" altLang="en-US" sz="6600" dirty="0"/>
           </a:p>
         </p:txBody>
       </p:sp>
@@ -8105,7 +8123,7 @@
         </p:nvSpPr>
         <p:spPr>
           <a:xfrm>
-            <a:off x="1455761" y="395784"/>
+            <a:off x="1414817" y="409432"/>
             <a:ext cx="9144000" cy="1189844"/>
           </a:xfrm>
         </p:spPr>
@@ -8117,7 +8135,7 @@
           <a:p>
             <a:r>
               <a:rPr lang="zh-CN" altLang="en-US" sz="6600" dirty="0" smtClean="0"/>
-              <a:t>公地的悲剧</a:t>
+              <a:t>拥堵费</a:t>
             </a:r>
             <a:endParaRPr lang="zh-CN" altLang="en-US" sz="6600" dirty="0"/>
           </a:p>
@@ -8126,7 +8144,7 @@
     </p:spTree>
     <p:extLst>
       <p:ext uri="{BB962C8B-B14F-4D97-AF65-F5344CB8AC3E}">
-        <p14:creationId xmlns:p14="http://schemas.microsoft.com/office/powerpoint/2010/main" val="208116294"/>
+        <p14:creationId xmlns:p14="http://schemas.microsoft.com/office/powerpoint/2010/main" val="2001513777"/>
       </p:ext>
     </p:extLst>
   </p:cSld>
@@ -8165,7 +8183,7 @@
         </p:nvSpPr>
         <p:spPr>
           <a:xfrm>
-            <a:off x="1401170" y="423079"/>
+            <a:off x="1455761" y="395784"/>
             <a:ext cx="9144000" cy="1189844"/>
           </a:xfrm>
         </p:spPr>
@@ -8176,24 +8194,17 @@
           <a:lstStyle/>
           <a:p>
             <a:r>
-              <a:rPr lang="zh-CN" altLang="en-US" sz="6600" dirty="0"/>
-              <a:t>拥堵费筛选</a:t>
-            </a:r>
-            <a:r>
               <a:rPr lang="zh-CN" altLang="en-US" sz="6600" dirty="0" smtClean="0"/>
-              <a:t>的是</a:t>
-            </a:r>
-            <a:r>
-              <a:rPr lang="zh-CN" altLang="en-US" sz="6600" dirty="0"/>
-              <a:t>需求</a:t>
-            </a:r>
+              <a:t>公地的悲剧</a:t>
+            </a:r>
+            <a:endParaRPr lang="zh-CN" altLang="en-US" sz="6600" dirty="0"/>
           </a:p>
         </p:txBody>
       </p:sp>
     </p:spTree>
     <p:extLst>
       <p:ext uri="{BB962C8B-B14F-4D97-AF65-F5344CB8AC3E}">
-        <p14:creationId xmlns:p14="http://schemas.microsoft.com/office/powerpoint/2010/main" val="517445020"/>
+        <p14:creationId xmlns:p14="http://schemas.microsoft.com/office/powerpoint/2010/main" val="208116294"/>
       </p:ext>
     </p:extLst>
   </p:cSld>
@@ -8232,8 +8243,8 @@
         </p:nvSpPr>
         <p:spPr>
           <a:xfrm>
-            <a:off x="1455761" y="450376"/>
-            <a:ext cx="9144000" cy="1115514"/>
+            <a:off x="1401170" y="423079"/>
+            <a:ext cx="9144000" cy="1189844"/>
           </a:xfrm>
         </p:spPr>
         <p:txBody>
@@ -8243,118 +8254,16 @@
           <a:lstStyle/>
           <a:p>
             <a:r>
+              <a:rPr lang="zh-CN" altLang="en-US" sz="6600" dirty="0"/>
+              <a:t>拥堵费筛选</a:t>
+            </a:r>
+            <a:r>
               <a:rPr lang="zh-CN" altLang="en-US" sz="6600" dirty="0" smtClean="0"/>
-              <a:t>世界各地的拥</a:t>
+              <a:t>的是</a:t>
             </a:r>
             <a:r>
               <a:rPr lang="zh-CN" altLang="en-US" sz="6600" dirty="0"/>
-              <a:t>堵</a:t>
-            </a:r>
-            <a:r>
-              <a:rPr lang="zh-CN" altLang="en-US" sz="6600" dirty="0" smtClean="0"/>
-              <a:t>费</a:t>
-            </a:r>
-            <a:endParaRPr lang="zh-CN" altLang="en-US" sz="6600" dirty="0"/>
-          </a:p>
-        </p:txBody>
-      </p:sp>
-      <p:sp>
-        <p:nvSpPr>
-          <p:cNvPr id="3" name="矩形 2"/>
-          <p:cNvSpPr/>
-          <p:nvPr/>
-        </p:nvSpPr>
-        <p:spPr>
-          <a:xfrm>
-            <a:off x="2362492" y="2036492"/>
-            <a:ext cx="2040943" cy="830997"/>
-          </a:xfrm>
-          <a:prstGeom prst="rect">
-            <a:avLst/>
-          </a:prstGeom>
-        </p:spPr>
-        <p:txBody>
-          <a:bodyPr wrap="none">
-            <a:spAutoFit/>
-          </a:bodyPr>
-          <a:lstStyle/>
-          <a:p>
-            <a:r>
-              <a:rPr lang="zh-CN" altLang="en-US" sz="4800" b="1" dirty="0">
-                <a:solidFill>
-                  <a:srgbClr val="252525"/>
-                </a:solidFill>
-                <a:latin typeface="宋体" panose="02010600030101010101" pitchFamily="2" charset="-122"/>
-              </a:rPr>
-              <a:t>新加坡</a:t>
-            </a:r>
-            <a:endParaRPr lang="zh-CN" altLang="en-US" sz="4800" dirty="0"/>
-          </a:p>
-        </p:txBody>
-      </p:sp>
-      <p:sp>
-        <p:nvSpPr>
-          <p:cNvPr id="5" name="矩形 4"/>
-          <p:cNvSpPr/>
-          <p:nvPr/>
-        </p:nvSpPr>
-        <p:spPr>
-          <a:xfrm>
-            <a:off x="2362492" y="4393468"/>
-            <a:ext cx="3278462" cy="830997"/>
-          </a:xfrm>
-          <a:prstGeom prst="rect">
-            <a:avLst/>
-          </a:prstGeom>
-        </p:spPr>
-        <p:txBody>
-          <a:bodyPr wrap="none">
-            <a:spAutoFit/>
-          </a:bodyPr>
-          <a:lstStyle/>
-          <a:p>
-            <a:r>
-              <a:rPr lang="zh-CN" altLang="en-US" sz="4800" b="1" dirty="0">
-                <a:solidFill>
-                  <a:srgbClr val="252525"/>
-                </a:solidFill>
-                <a:latin typeface="宋体" panose="02010600030101010101" pitchFamily="2" charset="-122"/>
-              </a:rPr>
-              <a:t>斯德哥尔摩</a:t>
-            </a:r>
-            <a:endParaRPr lang="zh-CN" altLang="en-US" sz="4800" dirty="0"/>
-          </a:p>
-        </p:txBody>
-      </p:sp>
-      <p:sp>
-        <p:nvSpPr>
-          <p:cNvPr id="6" name="矩形 5"/>
-          <p:cNvSpPr/>
-          <p:nvPr/>
-        </p:nvSpPr>
-        <p:spPr>
-          <a:xfrm>
-            <a:off x="2362492" y="3214980"/>
-            <a:ext cx="1422184" cy="830997"/>
-          </a:xfrm>
-          <a:prstGeom prst="rect">
-            <a:avLst/>
-          </a:prstGeom>
-        </p:spPr>
-        <p:txBody>
-          <a:bodyPr wrap="none">
-            <a:spAutoFit/>
-          </a:bodyPr>
-          <a:lstStyle/>
-          <a:p>
-            <a:r>
-              <a:rPr lang="zh-CN" altLang="en-US" sz="4800" b="1" dirty="0">
-                <a:solidFill>
-                  <a:srgbClr val="252525"/>
-                </a:solidFill>
-                <a:latin typeface="宋体" panose="02010600030101010101" pitchFamily="2" charset="-122"/>
-              </a:rPr>
-              <a:t>伦敦</a:t>
+              <a:t>需求</a:t>
             </a:r>
           </a:p>
         </p:txBody>
@@ -8362,7 +8271,7 @@
     </p:spTree>
     <p:extLst>
       <p:ext uri="{BB962C8B-B14F-4D97-AF65-F5344CB8AC3E}">
-        <p14:creationId xmlns:p14="http://schemas.microsoft.com/office/powerpoint/2010/main" val="2403967658"/>
+        <p14:creationId xmlns:p14="http://schemas.microsoft.com/office/powerpoint/2010/main" val="517445020"/>
       </p:ext>
     </p:extLst>
   </p:cSld>
@@ -8401,6 +8310,175 @@
         </p:nvSpPr>
         <p:spPr>
           <a:xfrm>
+            <a:off x="1455761" y="450376"/>
+            <a:ext cx="9144000" cy="1115514"/>
+          </a:xfrm>
+        </p:spPr>
+        <p:txBody>
+          <a:bodyPr>
+            <a:normAutofit/>
+          </a:bodyPr>
+          <a:lstStyle/>
+          <a:p>
+            <a:r>
+              <a:rPr lang="zh-CN" altLang="en-US" sz="6600" dirty="0" smtClean="0"/>
+              <a:t>世界各地的拥</a:t>
+            </a:r>
+            <a:r>
+              <a:rPr lang="zh-CN" altLang="en-US" sz="6600" dirty="0"/>
+              <a:t>堵</a:t>
+            </a:r>
+            <a:r>
+              <a:rPr lang="zh-CN" altLang="en-US" sz="6600" dirty="0" smtClean="0"/>
+              <a:t>费</a:t>
+            </a:r>
+            <a:endParaRPr lang="zh-CN" altLang="en-US" sz="6600" dirty="0"/>
+          </a:p>
+        </p:txBody>
+      </p:sp>
+      <p:sp>
+        <p:nvSpPr>
+          <p:cNvPr id="3" name="矩形 2"/>
+          <p:cNvSpPr/>
+          <p:nvPr/>
+        </p:nvSpPr>
+        <p:spPr>
+          <a:xfrm>
+            <a:off x="2362492" y="2036492"/>
+            <a:ext cx="2040943" cy="830997"/>
+          </a:xfrm>
+          <a:prstGeom prst="rect">
+            <a:avLst/>
+          </a:prstGeom>
+        </p:spPr>
+        <p:txBody>
+          <a:bodyPr wrap="none">
+            <a:spAutoFit/>
+          </a:bodyPr>
+          <a:lstStyle/>
+          <a:p>
+            <a:r>
+              <a:rPr lang="zh-CN" altLang="en-US" sz="4800" b="1" dirty="0">
+                <a:solidFill>
+                  <a:srgbClr val="252525"/>
+                </a:solidFill>
+                <a:latin typeface="宋体" panose="02010600030101010101" pitchFamily="2" charset="-122"/>
+              </a:rPr>
+              <a:t>新加坡</a:t>
+            </a:r>
+            <a:endParaRPr lang="zh-CN" altLang="en-US" sz="4800" dirty="0"/>
+          </a:p>
+        </p:txBody>
+      </p:sp>
+      <p:sp>
+        <p:nvSpPr>
+          <p:cNvPr id="5" name="矩形 4"/>
+          <p:cNvSpPr/>
+          <p:nvPr/>
+        </p:nvSpPr>
+        <p:spPr>
+          <a:xfrm>
+            <a:off x="2362492" y="4393468"/>
+            <a:ext cx="3278462" cy="830997"/>
+          </a:xfrm>
+          <a:prstGeom prst="rect">
+            <a:avLst/>
+          </a:prstGeom>
+        </p:spPr>
+        <p:txBody>
+          <a:bodyPr wrap="none">
+            <a:spAutoFit/>
+          </a:bodyPr>
+          <a:lstStyle/>
+          <a:p>
+            <a:r>
+              <a:rPr lang="zh-CN" altLang="en-US" sz="4800" b="1" dirty="0">
+                <a:solidFill>
+                  <a:srgbClr val="252525"/>
+                </a:solidFill>
+                <a:latin typeface="宋体" panose="02010600030101010101" pitchFamily="2" charset="-122"/>
+              </a:rPr>
+              <a:t>斯德哥尔摩</a:t>
+            </a:r>
+            <a:endParaRPr lang="zh-CN" altLang="en-US" sz="4800" dirty="0"/>
+          </a:p>
+        </p:txBody>
+      </p:sp>
+      <p:sp>
+        <p:nvSpPr>
+          <p:cNvPr id="6" name="矩形 5"/>
+          <p:cNvSpPr/>
+          <p:nvPr/>
+        </p:nvSpPr>
+        <p:spPr>
+          <a:xfrm>
+            <a:off x="2362492" y="3214980"/>
+            <a:ext cx="1422184" cy="830997"/>
+          </a:xfrm>
+          <a:prstGeom prst="rect">
+            <a:avLst/>
+          </a:prstGeom>
+        </p:spPr>
+        <p:txBody>
+          <a:bodyPr wrap="none">
+            <a:spAutoFit/>
+          </a:bodyPr>
+          <a:lstStyle/>
+          <a:p>
+            <a:r>
+              <a:rPr lang="zh-CN" altLang="en-US" sz="4800" b="1" dirty="0">
+                <a:solidFill>
+                  <a:srgbClr val="252525"/>
+                </a:solidFill>
+                <a:latin typeface="宋体" panose="02010600030101010101" pitchFamily="2" charset="-122"/>
+              </a:rPr>
+              <a:t>伦敦</a:t>
+            </a:r>
+          </a:p>
+        </p:txBody>
+      </p:sp>
+    </p:spTree>
+    <p:extLst>
+      <p:ext uri="{BB962C8B-B14F-4D97-AF65-F5344CB8AC3E}">
+        <p14:creationId xmlns:p14="http://schemas.microsoft.com/office/powerpoint/2010/main" val="2403967658"/>
+      </p:ext>
+    </p:extLst>
+  </p:cSld>
+  <p:clrMapOvr>
+    <a:masterClrMapping/>
+  </p:clrMapOvr>
+</p:sld>
+</file>
+
+<file path=ppt/slides/slide6.xml><?xml version="1.0" encoding="utf-8"?>
+<p:sld xmlns:a="http://schemas.openxmlformats.org/drawingml/2006/main" xmlns:r="http://schemas.openxmlformats.org/officeDocument/2006/relationships" xmlns:p="http://schemas.openxmlformats.org/presentationml/2006/main">
+  <p:cSld>
+    <p:spTree>
+      <p:nvGrpSpPr>
+        <p:cNvPr id="1" name=""/>
+        <p:cNvGrpSpPr/>
+        <p:nvPr/>
+      </p:nvGrpSpPr>
+      <p:grpSpPr>
+        <a:xfrm>
+          <a:off x="0" y="0"/>
+          <a:ext cx="0" cy="0"/>
+          <a:chOff x="0" y="0"/>
+          <a:chExt cx="0" cy="0"/>
+        </a:xfrm>
+      </p:grpSpPr>
+      <p:sp>
+        <p:nvSpPr>
+          <p:cNvPr id="2" name="标题 1"/>
+          <p:cNvSpPr>
+            <a:spLocks noGrp="1"/>
+          </p:cNvSpPr>
+          <p:nvPr>
+            <p:ph type="ctrTitle"/>
+          </p:nvPr>
+        </p:nvSpPr>
+        <p:spPr>
+          <a:xfrm>
             <a:off x="1360226" y="464023"/>
             <a:ext cx="9144000" cy="1189844"/>
           </a:xfrm>
@@ -8431,7 +8509,7 @@
 </p:sld>
 </file>
 
-<file path=ppt/slides/slide6.xml><?xml version="1.0" encoding="utf-8"?>
+<file path=ppt/slides/slide7.xml><?xml version="1.0" encoding="utf-8"?>
 <p:sld xmlns:a="http://schemas.openxmlformats.org/drawingml/2006/main" xmlns:r="http://schemas.openxmlformats.org/officeDocument/2006/relationships" xmlns:p="http://schemas.openxmlformats.org/presentationml/2006/main">
   <p:cSld>
     <p:spTree>
